--- a/Taller POO/Propuesta 1.pptx
+++ b/Taller POO/Propuesta 1.pptx
@@ -267,7 +267,7 @@
           <a:p>
             <a:fld id="{15F0644C-F38A-4960-847D-C2A606E2080D}" type="datetimeFigureOut">
               <a:rPr lang="es-MX" smtClean="0"/>
-              <a:t>08/02/2020</a:t>
+              <a:t>18/02/2020</a:t>
             </a:fld>
             <a:endParaRPr lang="es-MX"/>
           </a:p>
@@ -467,7 +467,7 @@
           <a:p>
             <a:fld id="{15F0644C-F38A-4960-847D-C2A606E2080D}" type="datetimeFigureOut">
               <a:rPr lang="es-MX" smtClean="0"/>
-              <a:t>08/02/2020</a:t>
+              <a:t>18/02/2020</a:t>
             </a:fld>
             <a:endParaRPr lang="es-MX"/>
           </a:p>
@@ -677,7 +677,7 @@
           <a:p>
             <a:fld id="{15F0644C-F38A-4960-847D-C2A606E2080D}" type="datetimeFigureOut">
               <a:rPr lang="es-MX" smtClean="0"/>
-              <a:t>08/02/2020</a:t>
+              <a:t>18/02/2020</a:t>
             </a:fld>
             <a:endParaRPr lang="es-MX"/>
           </a:p>
@@ -877,7 +877,7 @@
           <a:p>
             <a:fld id="{15F0644C-F38A-4960-847D-C2A606E2080D}" type="datetimeFigureOut">
               <a:rPr lang="es-MX" smtClean="0"/>
-              <a:t>08/02/2020</a:t>
+              <a:t>18/02/2020</a:t>
             </a:fld>
             <a:endParaRPr lang="es-MX"/>
           </a:p>
@@ -1153,7 +1153,7 @@
           <a:p>
             <a:fld id="{15F0644C-F38A-4960-847D-C2A606E2080D}" type="datetimeFigureOut">
               <a:rPr lang="es-MX" smtClean="0"/>
-              <a:t>08/02/2020</a:t>
+              <a:t>18/02/2020</a:t>
             </a:fld>
             <a:endParaRPr lang="es-MX"/>
           </a:p>
@@ -1421,7 +1421,7 @@
           <a:p>
             <a:fld id="{15F0644C-F38A-4960-847D-C2A606E2080D}" type="datetimeFigureOut">
               <a:rPr lang="es-MX" smtClean="0"/>
-              <a:t>08/02/2020</a:t>
+              <a:t>18/02/2020</a:t>
             </a:fld>
             <a:endParaRPr lang="es-MX"/>
           </a:p>
@@ -1836,7 +1836,7 @@
           <a:p>
             <a:fld id="{15F0644C-F38A-4960-847D-C2A606E2080D}" type="datetimeFigureOut">
               <a:rPr lang="es-MX" smtClean="0"/>
-              <a:t>08/02/2020</a:t>
+              <a:t>18/02/2020</a:t>
             </a:fld>
             <a:endParaRPr lang="es-MX"/>
           </a:p>
@@ -1978,7 +1978,7 @@
           <a:p>
             <a:fld id="{15F0644C-F38A-4960-847D-C2A606E2080D}" type="datetimeFigureOut">
               <a:rPr lang="es-MX" smtClean="0"/>
-              <a:t>08/02/2020</a:t>
+              <a:t>18/02/2020</a:t>
             </a:fld>
             <a:endParaRPr lang="es-MX"/>
           </a:p>
@@ -2091,7 +2091,7 @@
           <a:p>
             <a:fld id="{15F0644C-F38A-4960-847D-C2A606E2080D}" type="datetimeFigureOut">
               <a:rPr lang="es-MX" smtClean="0"/>
-              <a:t>08/02/2020</a:t>
+              <a:t>18/02/2020</a:t>
             </a:fld>
             <a:endParaRPr lang="es-MX"/>
           </a:p>
@@ -2404,7 +2404,7 @@
           <a:p>
             <a:fld id="{15F0644C-F38A-4960-847D-C2A606E2080D}" type="datetimeFigureOut">
               <a:rPr lang="es-MX" smtClean="0"/>
-              <a:t>08/02/2020</a:t>
+              <a:t>18/02/2020</a:t>
             </a:fld>
             <a:endParaRPr lang="es-MX"/>
           </a:p>
@@ -2693,7 +2693,7 @@
           <a:p>
             <a:fld id="{15F0644C-F38A-4960-847D-C2A606E2080D}" type="datetimeFigureOut">
               <a:rPr lang="es-MX" smtClean="0"/>
-              <a:t>08/02/2020</a:t>
+              <a:t>18/02/2020</a:t>
             </a:fld>
             <a:endParaRPr lang="es-MX"/>
           </a:p>
@@ -2936,7 +2936,7 @@
           <a:p>
             <a:fld id="{15F0644C-F38A-4960-847D-C2A606E2080D}" type="datetimeFigureOut">
               <a:rPr lang="es-MX" smtClean="0"/>
-              <a:t>08/02/2020</a:t>
+              <a:t>18/02/2020</a:t>
             </a:fld>
             <a:endParaRPr lang="es-MX"/>
           </a:p>
